--- a/Introduction/figures/betatron-motion.pptx
+++ b/Introduction/figures/betatron-motion.pptx
@@ -288,7 +288,7 @@
           <a:p>
             <a:fld id="{8AD2FD75-DBFE-42A6-A4AA-58FC53FE129A}" type="datetimeFigureOut">
               <a:rPr lang="en-GB" smtClean="0"/>
-              <a:t>06/12/2012</a:t>
+              <a:t>21/01/2013</a:t>
             </a:fld>
             <a:endParaRPr lang="en-GB"/>
           </a:p>
@@ -458,7 +458,7 @@
           <a:p>
             <a:fld id="{8AD2FD75-DBFE-42A6-A4AA-58FC53FE129A}" type="datetimeFigureOut">
               <a:rPr lang="en-GB" smtClean="0"/>
-              <a:t>06/12/2012</a:t>
+              <a:t>21/01/2013</a:t>
             </a:fld>
             <a:endParaRPr lang="en-GB"/>
           </a:p>
@@ -638,7 +638,7 @@
           <a:p>
             <a:fld id="{8AD2FD75-DBFE-42A6-A4AA-58FC53FE129A}" type="datetimeFigureOut">
               <a:rPr lang="en-GB" smtClean="0"/>
-              <a:t>06/12/2012</a:t>
+              <a:t>21/01/2013</a:t>
             </a:fld>
             <a:endParaRPr lang="en-GB"/>
           </a:p>
@@ -808,7 +808,7 @@
           <a:p>
             <a:fld id="{8AD2FD75-DBFE-42A6-A4AA-58FC53FE129A}" type="datetimeFigureOut">
               <a:rPr lang="en-GB" smtClean="0"/>
-              <a:t>06/12/2012</a:t>
+              <a:t>21/01/2013</a:t>
             </a:fld>
             <a:endParaRPr lang="en-GB"/>
           </a:p>
@@ -1054,7 +1054,7 @@
           <a:p>
             <a:fld id="{8AD2FD75-DBFE-42A6-A4AA-58FC53FE129A}" type="datetimeFigureOut">
               <a:rPr lang="en-GB" smtClean="0"/>
-              <a:t>06/12/2012</a:t>
+              <a:t>21/01/2013</a:t>
             </a:fld>
             <a:endParaRPr lang="en-GB"/>
           </a:p>
@@ -1342,7 +1342,7 @@
           <a:p>
             <a:fld id="{8AD2FD75-DBFE-42A6-A4AA-58FC53FE129A}" type="datetimeFigureOut">
               <a:rPr lang="en-GB" smtClean="0"/>
-              <a:t>06/12/2012</a:t>
+              <a:t>21/01/2013</a:t>
             </a:fld>
             <a:endParaRPr lang="en-GB"/>
           </a:p>
@@ -1769,7 +1769,7 @@
           <a:p>
             <a:fld id="{8AD2FD75-DBFE-42A6-A4AA-58FC53FE129A}" type="datetimeFigureOut">
               <a:rPr lang="en-GB" smtClean="0"/>
-              <a:t>06/12/2012</a:t>
+              <a:t>21/01/2013</a:t>
             </a:fld>
             <a:endParaRPr lang="en-GB"/>
           </a:p>
@@ -1887,7 +1887,7 @@
           <a:p>
             <a:fld id="{8AD2FD75-DBFE-42A6-A4AA-58FC53FE129A}" type="datetimeFigureOut">
               <a:rPr lang="en-GB" smtClean="0"/>
-              <a:t>06/12/2012</a:t>
+              <a:t>21/01/2013</a:t>
             </a:fld>
             <a:endParaRPr lang="en-GB"/>
           </a:p>
@@ -1982,7 +1982,7 @@
           <a:p>
             <a:fld id="{8AD2FD75-DBFE-42A6-A4AA-58FC53FE129A}" type="datetimeFigureOut">
               <a:rPr lang="en-GB" smtClean="0"/>
-              <a:t>06/12/2012</a:t>
+              <a:t>21/01/2013</a:t>
             </a:fld>
             <a:endParaRPr lang="en-GB"/>
           </a:p>
@@ -2259,7 +2259,7 @@
           <a:p>
             <a:fld id="{8AD2FD75-DBFE-42A6-A4AA-58FC53FE129A}" type="datetimeFigureOut">
               <a:rPr lang="en-GB" smtClean="0"/>
-              <a:t>06/12/2012</a:t>
+              <a:t>21/01/2013</a:t>
             </a:fld>
             <a:endParaRPr lang="en-GB"/>
           </a:p>
@@ -2512,7 +2512,7 @@
           <a:p>
             <a:fld id="{8AD2FD75-DBFE-42A6-A4AA-58FC53FE129A}" type="datetimeFigureOut">
               <a:rPr lang="en-GB" smtClean="0"/>
-              <a:t>06/12/2012</a:t>
+              <a:t>21/01/2013</a:t>
             </a:fld>
             <a:endParaRPr lang="en-GB"/>
           </a:p>
@@ -2725,7 +2725,7 @@
           <a:p>
             <a:fld id="{8AD2FD75-DBFE-42A6-A4AA-58FC53FE129A}" type="datetimeFigureOut">
               <a:rPr lang="en-GB" smtClean="0"/>
-              <a:t>06/12/2012</a:t>
+              <a:t>21/01/2013</a:t>
             </a:fld>
             <a:endParaRPr lang="en-GB"/>
           </a:p>
@@ -3155,7 +3155,7 @@
         <p:spPr>
           <a:xfrm>
             <a:off x="108049" y="180057"/>
-            <a:ext cx="5185774" cy="5026782"/>
+            <a:ext cx="5184909" cy="5026782"/>
           </a:xfrm>
           <a:custGeom>
             <a:avLst/>
@@ -3194,6 +3194,400 @@
               <a:gd name="connsiteY15" fmla="*/ 169 h 5026782"/>
               <a:gd name="connsiteX16" fmla="*/ 3531033 w 5185774"/>
               <a:gd name="connsiteY16" fmla="*/ 596517 h 5026782"/>
+              <a:gd name="connsiteX0" fmla="*/ 3531033 w 5186970"/>
+              <a:gd name="connsiteY0" fmla="*/ 596517 h 5026782"/>
+              <a:gd name="connsiteX1" fmla="*/ 4326164 w 5186970"/>
+              <a:gd name="connsiteY1" fmla="*/ 699884 h 5026782"/>
+              <a:gd name="connsiteX2" fmla="*/ 4524946 w 5186970"/>
+              <a:gd name="connsiteY2" fmla="*/ 1614284 h 5026782"/>
+              <a:gd name="connsiteX3" fmla="*/ 5186103 w 5186970"/>
+              <a:gd name="connsiteY3" fmla="*/ 2212362 h 5026782"/>
+              <a:gd name="connsiteX4" fmla="*/ 4668070 w 5186970"/>
+              <a:gd name="connsiteY4" fmla="*/ 3188642 h 5026782"/>
+              <a:gd name="connsiteX5" fmla="*/ 4787339 w 5186970"/>
+              <a:gd name="connsiteY5" fmla="*/ 4071237 h 5026782"/>
+              <a:gd name="connsiteX6" fmla="*/ 3737767 w 5186970"/>
+              <a:gd name="connsiteY6" fmla="*/ 4381338 h 5026782"/>
+              <a:gd name="connsiteX7" fmla="*/ 3069858 w 5186970"/>
+              <a:gd name="connsiteY7" fmla="*/ 5025393 h 5026782"/>
+              <a:gd name="connsiteX8" fmla="*/ 2036188 w 5186970"/>
+              <a:gd name="connsiteY8" fmla="*/ 4556266 h 5026782"/>
+              <a:gd name="connsiteX9" fmla="*/ 1089983 w 5186970"/>
+              <a:gd name="connsiteY9" fmla="*/ 4667585 h 5026782"/>
+              <a:gd name="connsiteX10" fmla="*/ 811687 w 5186970"/>
+              <a:gd name="connsiteY10" fmla="*/ 3427181 h 5026782"/>
+              <a:gd name="connsiteX11" fmla="*/ 654 w 5186970"/>
+              <a:gd name="connsiteY11" fmla="*/ 2663856 h 5026782"/>
+              <a:gd name="connsiteX12" fmla="*/ 676515 w 5186970"/>
+              <a:gd name="connsiteY12" fmla="*/ 1646089 h 5026782"/>
+              <a:gd name="connsiteX13" fmla="*/ 795785 w 5186970"/>
+              <a:gd name="connsiteY13" fmla="*/ 835056 h 5026782"/>
+              <a:gd name="connsiteX14" fmla="*/ 1901016 w 5186970"/>
+              <a:gd name="connsiteY14" fmla="*/ 644225 h 5026782"/>
+              <a:gd name="connsiteX15" fmla="*/ 2759757 w 5186970"/>
+              <a:gd name="connsiteY15" fmla="*/ 169 h 5026782"/>
+              <a:gd name="connsiteX16" fmla="*/ 3531033 w 5186970"/>
+              <a:gd name="connsiteY16" fmla="*/ 596517 h 5026782"/>
+              <a:gd name="connsiteX0" fmla="*/ 3531033 w 5187107"/>
+              <a:gd name="connsiteY0" fmla="*/ 596517 h 5026782"/>
+              <a:gd name="connsiteX1" fmla="*/ 4326164 w 5187107"/>
+              <a:gd name="connsiteY1" fmla="*/ 699884 h 5026782"/>
+              <a:gd name="connsiteX2" fmla="*/ 4513548 w 5187107"/>
+              <a:gd name="connsiteY2" fmla="*/ 1620505 h 5026782"/>
+              <a:gd name="connsiteX3" fmla="*/ 5186103 w 5187107"/>
+              <a:gd name="connsiteY3" fmla="*/ 2212362 h 5026782"/>
+              <a:gd name="connsiteX4" fmla="*/ 4668070 w 5187107"/>
+              <a:gd name="connsiteY4" fmla="*/ 3188642 h 5026782"/>
+              <a:gd name="connsiteX5" fmla="*/ 4787339 w 5187107"/>
+              <a:gd name="connsiteY5" fmla="*/ 4071237 h 5026782"/>
+              <a:gd name="connsiteX6" fmla="*/ 3737767 w 5187107"/>
+              <a:gd name="connsiteY6" fmla="*/ 4381338 h 5026782"/>
+              <a:gd name="connsiteX7" fmla="*/ 3069858 w 5187107"/>
+              <a:gd name="connsiteY7" fmla="*/ 5025393 h 5026782"/>
+              <a:gd name="connsiteX8" fmla="*/ 2036188 w 5187107"/>
+              <a:gd name="connsiteY8" fmla="*/ 4556266 h 5026782"/>
+              <a:gd name="connsiteX9" fmla="*/ 1089983 w 5187107"/>
+              <a:gd name="connsiteY9" fmla="*/ 4667585 h 5026782"/>
+              <a:gd name="connsiteX10" fmla="*/ 811687 w 5187107"/>
+              <a:gd name="connsiteY10" fmla="*/ 3427181 h 5026782"/>
+              <a:gd name="connsiteX11" fmla="*/ 654 w 5187107"/>
+              <a:gd name="connsiteY11" fmla="*/ 2663856 h 5026782"/>
+              <a:gd name="connsiteX12" fmla="*/ 676515 w 5187107"/>
+              <a:gd name="connsiteY12" fmla="*/ 1646089 h 5026782"/>
+              <a:gd name="connsiteX13" fmla="*/ 795785 w 5187107"/>
+              <a:gd name="connsiteY13" fmla="*/ 835056 h 5026782"/>
+              <a:gd name="connsiteX14" fmla="*/ 1901016 w 5187107"/>
+              <a:gd name="connsiteY14" fmla="*/ 644225 h 5026782"/>
+              <a:gd name="connsiteX15" fmla="*/ 2759757 w 5187107"/>
+              <a:gd name="connsiteY15" fmla="*/ 169 h 5026782"/>
+              <a:gd name="connsiteX16" fmla="*/ 3531033 w 5187107"/>
+              <a:gd name="connsiteY16" fmla="*/ 596517 h 5026782"/>
+              <a:gd name="connsiteX0" fmla="*/ 3531033 w 5187107"/>
+              <a:gd name="connsiteY0" fmla="*/ 596517 h 5026782"/>
+              <a:gd name="connsiteX1" fmla="*/ 4326164 w 5187107"/>
+              <a:gd name="connsiteY1" fmla="*/ 699884 h 5026782"/>
+              <a:gd name="connsiteX2" fmla="*/ 4513548 w 5187107"/>
+              <a:gd name="connsiteY2" fmla="*/ 1620505 h 5026782"/>
+              <a:gd name="connsiteX3" fmla="*/ 5186103 w 5187107"/>
+              <a:gd name="connsiteY3" fmla="*/ 2212362 h 5026782"/>
+              <a:gd name="connsiteX4" fmla="*/ 4668070 w 5187107"/>
+              <a:gd name="connsiteY4" fmla="*/ 3188642 h 5026782"/>
+              <a:gd name="connsiteX5" fmla="*/ 4787339 w 5187107"/>
+              <a:gd name="connsiteY5" fmla="*/ 4071237 h 5026782"/>
+              <a:gd name="connsiteX6" fmla="*/ 3737767 w 5187107"/>
+              <a:gd name="connsiteY6" fmla="*/ 4381338 h 5026782"/>
+              <a:gd name="connsiteX7" fmla="*/ 3069858 w 5187107"/>
+              <a:gd name="connsiteY7" fmla="*/ 5025393 h 5026782"/>
+              <a:gd name="connsiteX8" fmla="*/ 2036188 w 5187107"/>
+              <a:gd name="connsiteY8" fmla="*/ 4556266 h 5026782"/>
+              <a:gd name="connsiteX9" fmla="*/ 1089983 w 5187107"/>
+              <a:gd name="connsiteY9" fmla="*/ 4667585 h 5026782"/>
+              <a:gd name="connsiteX10" fmla="*/ 811687 w 5187107"/>
+              <a:gd name="connsiteY10" fmla="*/ 3427181 h 5026782"/>
+              <a:gd name="connsiteX11" fmla="*/ 654 w 5187107"/>
+              <a:gd name="connsiteY11" fmla="*/ 2663856 h 5026782"/>
+              <a:gd name="connsiteX12" fmla="*/ 676515 w 5187107"/>
+              <a:gd name="connsiteY12" fmla="*/ 1646089 h 5026782"/>
+              <a:gd name="connsiteX13" fmla="*/ 795785 w 5187107"/>
+              <a:gd name="connsiteY13" fmla="*/ 835056 h 5026782"/>
+              <a:gd name="connsiteX14" fmla="*/ 1901016 w 5187107"/>
+              <a:gd name="connsiteY14" fmla="*/ 644225 h 5026782"/>
+              <a:gd name="connsiteX15" fmla="*/ 2759757 w 5187107"/>
+              <a:gd name="connsiteY15" fmla="*/ 169 h 5026782"/>
+              <a:gd name="connsiteX16" fmla="*/ 3531033 w 5187107"/>
+              <a:gd name="connsiteY16" fmla="*/ 596517 h 5026782"/>
+              <a:gd name="connsiteX0" fmla="*/ 4513548 w 5187107"/>
+              <a:gd name="connsiteY0" fmla="*/ 1620505 h 5026782"/>
+              <a:gd name="connsiteX1" fmla="*/ 5186103 w 5187107"/>
+              <a:gd name="connsiteY1" fmla="*/ 2212362 h 5026782"/>
+              <a:gd name="connsiteX2" fmla="*/ 4668070 w 5187107"/>
+              <a:gd name="connsiteY2" fmla="*/ 3188642 h 5026782"/>
+              <a:gd name="connsiteX3" fmla="*/ 4787339 w 5187107"/>
+              <a:gd name="connsiteY3" fmla="*/ 4071237 h 5026782"/>
+              <a:gd name="connsiteX4" fmla="*/ 3737767 w 5187107"/>
+              <a:gd name="connsiteY4" fmla="*/ 4381338 h 5026782"/>
+              <a:gd name="connsiteX5" fmla="*/ 3069858 w 5187107"/>
+              <a:gd name="connsiteY5" fmla="*/ 5025393 h 5026782"/>
+              <a:gd name="connsiteX6" fmla="*/ 2036188 w 5187107"/>
+              <a:gd name="connsiteY6" fmla="*/ 4556266 h 5026782"/>
+              <a:gd name="connsiteX7" fmla="*/ 1089983 w 5187107"/>
+              <a:gd name="connsiteY7" fmla="*/ 4667585 h 5026782"/>
+              <a:gd name="connsiteX8" fmla="*/ 811687 w 5187107"/>
+              <a:gd name="connsiteY8" fmla="*/ 3427181 h 5026782"/>
+              <a:gd name="connsiteX9" fmla="*/ 654 w 5187107"/>
+              <a:gd name="connsiteY9" fmla="*/ 2663856 h 5026782"/>
+              <a:gd name="connsiteX10" fmla="*/ 676515 w 5187107"/>
+              <a:gd name="connsiteY10" fmla="*/ 1646089 h 5026782"/>
+              <a:gd name="connsiteX11" fmla="*/ 795785 w 5187107"/>
+              <a:gd name="connsiteY11" fmla="*/ 835056 h 5026782"/>
+              <a:gd name="connsiteX12" fmla="*/ 1901016 w 5187107"/>
+              <a:gd name="connsiteY12" fmla="*/ 644225 h 5026782"/>
+              <a:gd name="connsiteX13" fmla="*/ 2759757 w 5187107"/>
+              <a:gd name="connsiteY13" fmla="*/ 169 h 5026782"/>
+              <a:gd name="connsiteX14" fmla="*/ 3531033 w 5187107"/>
+              <a:gd name="connsiteY14" fmla="*/ 596517 h 5026782"/>
+              <a:gd name="connsiteX15" fmla="*/ 4326164 w 5187107"/>
+              <a:gd name="connsiteY15" fmla="*/ 699884 h 5026782"/>
+              <a:gd name="connsiteX16" fmla="*/ 4605009 w 5187107"/>
+              <a:gd name="connsiteY16" fmla="*/ 1711945 h 5026782"/>
+              <a:gd name="connsiteX0" fmla="*/ 4513548 w 5187107"/>
+              <a:gd name="connsiteY0" fmla="*/ 1620505 h 5026782"/>
+              <a:gd name="connsiteX1" fmla="*/ 5186103 w 5187107"/>
+              <a:gd name="connsiteY1" fmla="*/ 2212362 h 5026782"/>
+              <a:gd name="connsiteX2" fmla="*/ 4668070 w 5187107"/>
+              <a:gd name="connsiteY2" fmla="*/ 3188642 h 5026782"/>
+              <a:gd name="connsiteX3" fmla="*/ 4787339 w 5187107"/>
+              <a:gd name="connsiteY3" fmla="*/ 4071237 h 5026782"/>
+              <a:gd name="connsiteX4" fmla="*/ 3737767 w 5187107"/>
+              <a:gd name="connsiteY4" fmla="*/ 4381338 h 5026782"/>
+              <a:gd name="connsiteX5" fmla="*/ 3069858 w 5187107"/>
+              <a:gd name="connsiteY5" fmla="*/ 5025393 h 5026782"/>
+              <a:gd name="connsiteX6" fmla="*/ 2036188 w 5187107"/>
+              <a:gd name="connsiteY6" fmla="*/ 4556266 h 5026782"/>
+              <a:gd name="connsiteX7" fmla="*/ 1089983 w 5187107"/>
+              <a:gd name="connsiteY7" fmla="*/ 4667585 h 5026782"/>
+              <a:gd name="connsiteX8" fmla="*/ 811687 w 5187107"/>
+              <a:gd name="connsiteY8" fmla="*/ 3427181 h 5026782"/>
+              <a:gd name="connsiteX9" fmla="*/ 654 w 5187107"/>
+              <a:gd name="connsiteY9" fmla="*/ 2663856 h 5026782"/>
+              <a:gd name="connsiteX10" fmla="*/ 676515 w 5187107"/>
+              <a:gd name="connsiteY10" fmla="*/ 1646089 h 5026782"/>
+              <a:gd name="connsiteX11" fmla="*/ 795785 w 5187107"/>
+              <a:gd name="connsiteY11" fmla="*/ 835056 h 5026782"/>
+              <a:gd name="connsiteX12" fmla="*/ 1901016 w 5187107"/>
+              <a:gd name="connsiteY12" fmla="*/ 644225 h 5026782"/>
+              <a:gd name="connsiteX13" fmla="*/ 2759757 w 5187107"/>
+              <a:gd name="connsiteY13" fmla="*/ 169 h 5026782"/>
+              <a:gd name="connsiteX14" fmla="*/ 3531033 w 5187107"/>
+              <a:gd name="connsiteY14" fmla="*/ 596517 h 5026782"/>
+              <a:gd name="connsiteX15" fmla="*/ 4326164 w 5187107"/>
+              <a:gd name="connsiteY15" fmla="*/ 699884 h 5026782"/>
+              <a:gd name="connsiteX16" fmla="*/ 4614307 w 5187107"/>
+              <a:gd name="connsiteY16" fmla="*/ 1256857 h 5026782"/>
+              <a:gd name="connsiteX17" fmla="*/ 4605009 w 5187107"/>
+              <a:gd name="connsiteY17" fmla="*/ 1711945 h 5026782"/>
+              <a:gd name="connsiteX0" fmla="*/ 4513548 w 5187107"/>
+              <a:gd name="connsiteY0" fmla="*/ 1620505 h 5026782"/>
+              <a:gd name="connsiteX1" fmla="*/ 5186103 w 5187107"/>
+              <a:gd name="connsiteY1" fmla="*/ 2212362 h 5026782"/>
+              <a:gd name="connsiteX2" fmla="*/ 4668070 w 5187107"/>
+              <a:gd name="connsiteY2" fmla="*/ 3188642 h 5026782"/>
+              <a:gd name="connsiteX3" fmla="*/ 4787339 w 5187107"/>
+              <a:gd name="connsiteY3" fmla="*/ 4071237 h 5026782"/>
+              <a:gd name="connsiteX4" fmla="*/ 3737767 w 5187107"/>
+              <a:gd name="connsiteY4" fmla="*/ 4381338 h 5026782"/>
+              <a:gd name="connsiteX5" fmla="*/ 3069858 w 5187107"/>
+              <a:gd name="connsiteY5" fmla="*/ 5025393 h 5026782"/>
+              <a:gd name="connsiteX6" fmla="*/ 2036188 w 5187107"/>
+              <a:gd name="connsiteY6" fmla="*/ 4556266 h 5026782"/>
+              <a:gd name="connsiteX7" fmla="*/ 1089983 w 5187107"/>
+              <a:gd name="connsiteY7" fmla="*/ 4667585 h 5026782"/>
+              <a:gd name="connsiteX8" fmla="*/ 811687 w 5187107"/>
+              <a:gd name="connsiteY8" fmla="*/ 3427181 h 5026782"/>
+              <a:gd name="connsiteX9" fmla="*/ 654 w 5187107"/>
+              <a:gd name="connsiteY9" fmla="*/ 2663856 h 5026782"/>
+              <a:gd name="connsiteX10" fmla="*/ 676515 w 5187107"/>
+              <a:gd name="connsiteY10" fmla="*/ 1646089 h 5026782"/>
+              <a:gd name="connsiteX11" fmla="*/ 795785 w 5187107"/>
+              <a:gd name="connsiteY11" fmla="*/ 835056 h 5026782"/>
+              <a:gd name="connsiteX12" fmla="*/ 1901016 w 5187107"/>
+              <a:gd name="connsiteY12" fmla="*/ 644225 h 5026782"/>
+              <a:gd name="connsiteX13" fmla="*/ 2759757 w 5187107"/>
+              <a:gd name="connsiteY13" fmla="*/ 169 h 5026782"/>
+              <a:gd name="connsiteX14" fmla="*/ 3531033 w 5187107"/>
+              <a:gd name="connsiteY14" fmla="*/ 596517 h 5026782"/>
+              <a:gd name="connsiteX15" fmla="*/ 4326164 w 5187107"/>
+              <a:gd name="connsiteY15" fmla="*/ 699884 h 5026782"/>
+              <a:gd name="connsiteX16" fmla="*/ 4614307 w 5187107"/>
+              <a:gd name="connsiteY16" fmla="*/ 1256857 h 5026782"/>
+              <a:gd name="connsiteX17" fmla="*/ 4512745 w 5187107"/>
+              <a:gd name="connsiteY17" fmla="*/ 1469350 h 5026782"/>
+              <a:gd name="connsiteX0" fmla="*/ 4513548 w 5187107"/>
+              <a:gd name="connsiteY0" fmla="*/ 1620505 h 5026782"/>
+              <a:gd name="connsiteX1" fmla="*/ 5186103 w 5187107"/>
+              <a:gd name="connsiteY1" fmla="*/ 2212362 h 5026782"/>
+              <a:gd name="connsiteX2" fmla="*/ 4668070 w 5187107"/>
+              <a:gd name="connsiteY2" fmla="*/ 3188642 h 5026782"/>
+              <a:gd name="connsiteX3" fmla="*/ 4787339 w 5187107"/>
+              <a:gd name="connsiteY3" fmla="*/ 4071237 h 5026782"/>
+              <a:gd name="connsiteX4" fmla="*/ 3737767 w 5187107"/>
+              <a:gd name="connsiteY4" fmla="*/ 4381338 h 5026782"/>
+              <a:gd name="connsiteX5" fmla="*/ 3069858 w 5187107"/>
+              <a:gd name="connsiteY5" fmla="*/ 5025393 h 5026782"/>
+              <a:gd name="connsiteX6" fmla="*/ 2036188 w 5187107"/>
+              <a:gd name="connsiteY6" fmla="*/ 4556266 h 5026782"/>
+              <a:gd name="connsiteX7" fmla="*/ 1089983 w 5187107"/>
+              <a:gd name="connsiteY7" fmla="*/ 4667585 h 5026782"/>
+              <a:gd name="connsiteX8" fmla="*/ 811687 w 5187107"/>
+              <a:gd name="connsiteY8" fmla="*/ 3427181 h 5026782"/>
+              <a:gd name="connsiteX9" fmla="*/ 654 w 5187107"/>
+              <a:gd name="connsiteY9" fmla="*/ 2663856 h 5026782"/>
+              <a:gd name="connsiteX10" fmla="*/ 676515 w 5187107"/>
+              <a:gd name="connsiteY10" fmla="*/ 1646089 h 5026782"/>
+              <a:gd name="connsiteX11" fmla="*/ 795785 w 5187107"/>
+              <a:gd name="connsiteY11" fmla="*/ 835056 h 5026782"/>
+              <a:gd name="connsiteX12" fmla="*/ 1901016 w 5187107"/>
+              <a:gd name="connsiteY12" fmla="*/ 644225 h 5026782"/>
+              <a:gd name="connsiteX13" fmla="*/ 2759757 w 5187107"/>
+              <a:gd name="connsiteY13" fmla="*/ 169 h 5026782"/>
+              <a:gd name="connsiteX14" fmla="*/ 3531033 w 5187107"/>
+              <a:gd name="connsiteY14" fmla="*/ 596517 h 5026782"/>
+              <a:gd name="connsiteX15" fmla="*/ 4326164 w 5187107"/>
+              <a:gd name="connsiteY15" fmla="*/ 699884 h 5026782"/>
+              <a:gd name="connsiteX16" fmla="*/ 4614307 w 5187107"/>
+              <a:gd name="connsiteY16" fmla="*/ 1256857 h 5026782"/>
+              <a:gd name="connsiteX17" fmla="*/ 4632003 w 5187107"/>
+              <a:gd name="connsiteY17" fmla="*/ 1587538 h 5026782"/>
+              <a:gd name="connsiteX0" fmla="*/ 4402598 w 5188892"/>
+              <a:gd name="connsiteY0" fmla="*/ 1471215 h 5026782"/>
+              <a:gd name="connsiteX1" fmla="*/ 5186103 w 5188892"/>
+              <a:gd name="connsiteY1" fmla="*/ 2212362 h 5026782"/>
+              <a:gd name="connsiteX2" fmla="*/ 4668070 w 5188892"/>
+              <a:gd name="connsiteY2" fmla="*/ 3188642 h 5026782"/>
+              <a:gd name="connsiteX3" fmla="*/ 4787339 w 5188892"/>
+              <a:gd name="connsiteY3" fmla="*/ 4071237 h 5026782"/>
+              <a:gd name="connsiteX4" fmla="*/ 3737767 w 5188892"/>
+              <a:gd name="connsiteY4" fmla="*/ 4381338 h 5026782"/>
+              <a:gd name="connsiteX5" fmla="*/ 3069858 w 5188892"/>
+              <a:gd name="connsiteY5" fmla="*/ 5025393 h 5026782"/>
+              <a:gd name="connsiteX6" fmla="*/ 2036188 w 5188892"/>
+              <a:gd name="connsiteY6" fmla="*/ 4556266 h 5026782"/>
+              <a:gd name="connsiteX7" fmla="*/ 1089983 w 5188892"/>
+              <a:gd name="connsiteY7" fmla="*/ 4667585 h 5026782"/>
+              <a:gd name="connsiteX8" fmla="*/ 811687 w 5188892"/>
+              <a:gd name="connsiteY8" fmla="*/ 3427181 h 5026782"/>
+              <a:gd name="connsiteX9" fmla="*/ 654 w 5188892"/>
+              <a:gd name="connsiteY9" fmla="*/ 2663856 h 5026782"/>
+              <a:gd name="connsiteX10" fmla="*/ 676515 w 5188892"/>
+              <a:gd name="connsiteY10" fmla="*/ 1646089 h 5026782"/>
+              <a:gd name="connsiteX11" fmla="*/ 795785 w 5188892"/>
+              <a:gd name="connsiteY11" fmla="*/ 835056 h 5026782"/>
+              <a:gd name="connsiteX12" fmla="*/ 1901016 w 5188892"/>
+              <a:gd name="connsiteY12" fmla="*/ 644225 h 5026782"/>
+              <a:gd name="connsiteX13" fmla="*/ 2759757 w 5188892"/>
+              <a:gd name="connsiteY13" fmla="*/ 169 h 5026782"/>
+              <a:gd name="connsiteX14" fmla="*/ 3531033 w 5188892"/>
+              <a:gd name="connsiteY14" fmla="*/ 596517 h 5026782"/>
+              <a:gd name="connsiteX15" fmla="*/ 4326164 w 5188892"/>
+              <a:gd name="connsiteY15" fmla="*/ 699884 h 5026782"/>
+              <a:gd name="connsiteX16" fmla="*/ 4614307 w 5188892"/>
+              <a:gd name="connsiteY16" fmla="*/ 1256857 h 5026782"/>
+              <a:gd name="connsiteX17" fmla="*/ 4632003 w 5188892"/>
+              <a:gd name="connsiteY17" fmla="*/ 1587538 h 5026782"/>
+              <a:gd name="connsiteX0" fmla="*/ 4402598 w 5186106"/>
+              <a:gd name="connsiteY0" fmla="*/ 1471215 h 5026782"/>
+              <a:gd name="connsiteX1" fmla="*/ 4676524 w 5186106"/>
+              <a:gd name="connsiteY1" fmla="*/ 1866457 h 5026782"/>
+              <a:gd name="connsiteX2" fmla="*/ 5186103 w 5186106"/>
+              <a:gd name="connsiteY2" fmla="*/ 2212362 h 5026782"/>
+              <a:gd name="connsiteX3" fmla="*/ 4668070 w 5186106"/>
+              <a:gd name="connsiteY3" fmla="*/ 3188642 h 5026782"/>
+              <a:gd name="connsiteX4" fmla="*/ 4787339 w 5186106"/>
+              <a:gd name="connsiteY4" fmla="*/ 4071237 h 5026782"/>
+              <a:gd name="connsiteX5" fmla="*/ 3737767 w 5186106"/>
+              <a:gd name="connsiteY5" fmla="*/ 4381338 h 5026782"/>
+              <a:gd name="connsiteX6" fmla="*/ 3069858 w 5186106"/>
+              <a:gd name="connsiteY6" fmla="*/ 5025393 h 5026782"/>
+              <a:gd name="connsiteX7" fmla="*/ 2036188 w 5186106"/>
+              <a:gd name="connsiteY7" fmla="*/ 4556266 h 5026782"/>
+              <a:gd name="connsiteX8" fmla="*/ 1089983 w 5186106"/>
+              <a:gd name="connsiteY8" fmla="*/ 4667585 h 5026782"/>
+              <a:gd name="connsiteX9" fmla="*/ 811687 w 5186106"/>
+              <a:gd name="connsiteY9" fmla="*/ 3427181 h 5026782"/>
+              <a:gd name="connsiteX10" fmla="*/ 654 w 5186106"/>
+              <a:gd name="connsiteY10" fmla="*/ 2663856 h 5026782"/>
+              <a:gd name="connsiteX11" fmla="*/ 676515 w 5186106"/>
+              <a:gd name="connsiteY11" fmla="*/ 1646089 h 5026782"/>
+              <a:gd name="connsiteX12" fmla="*/ 795785 w 5186106"/>
+              <a:gd name="connsiteY12" fmla="*/ 835056 h 5026782"/>
+              <a:gd name="connsiteX13" fmla="*/ 1901016 w 5186106"/>
+              <a:gd name="connsiteY13" fmla="*/ 644225 h 5026782"/>
+              <a:gd name="connsiteX14" fmla="*/ 2759757 w 5186106"/>
+              <a:gd name="connsiteY14" fmla="*/ 169 h 5026782"/>
+              <a:gd name="connsiteX15" fmla="*/ 3531033 w 5186106"/>
+              <a:gd name="connsiteY15" fmla="*/ 596517 h 5026782"/>
+              <a:gd name="connsiteX16" fmla="*/ 4326164 w 5186106"/>
+              <a:gd name="connsiteY16" fmla="*/ 699884 h 5026782"/>
+              <a:gd name="connsiteX17" fmla="*/ 4614307 w 5186106"/>
+              <a:gd name="connsiteY17" fmla="*/ 1256857 h 5026782"/>
+              <a:gd name="connsiteX18" fmla="*/ 4632003 w 5186106"/>
+              <a:gd name="connsiteY18" fmla="*/ 1587538 h 5026782"/>
+              <a:gd name="connsiteX0" fmla="*/ 4416058 w 5186106"/>
+              <a:gd name="connsiteY0" fmla="*/ 1452554 h 5026782"/>
+              <a:gd name="connsiteX1" fmla="*/ 4676524 w 5186106"/>
+              <a:gd name="connsiteY1" fmla="*/ 1866457 h 5026782"/>
+              <a:gd name="connsiteX2" fmla="*/ 5186103 w 5186106"/>
+              <a:gd name="connsiteY2" fmla="*/ 2212362 h 5026782"/>
+              <a:gd name="connsiteX3" fmla="*/ 4668070 w 5186106"/>
+              <a:gd name="connsiteY3" fmla="*/ 3188642 h 5026782"/>
+              <a:gd name="connsiteX4" fmla="*/ 4787339 w 5186106"/>
+              <a:gd name="connsiteY4" fmla="*/ 4071237 h 5026782"/>
+              <a:gd name="connsiteX5" fmla="*/ 3737767 w 5186106"/>
+              <a:gd name="connsiteY5" fmla="*/ 4381338 h 5026782"/>
+              <a:gd name="connsiteX6" fmla="*/ 3069858 w 5186106"/>
+              <a:gd name="connsiteY6" fmla="*/ 5025393 h 5026782"/>
+              <a:gd name="connsiteX7" fmla="*/ 2036188 w 5186106"/>
+              <a:gd name="connsiteY7" fmla="*/ 4556266 h 5026782"/>
+              <a:gd name="connsiteX8" fmla="*/ 1089983 w 5186106"/>
+              <a:gd name="connsiteY8" fmla="*/ 4667585 h 5026782"/>
+              <a:gd name="connsiteX9" fmla="*/ 811687 w 5186106"/>
+              <a:gd name="connsiteY9" fmla="*/ 3427181 h 5026782"/>
+              <a:gd name="connsiteX10" fmla="*/ 654 w 5186106"/>
+              <a:gd name="connsiteY10" fmla="*/ 2663856 h 5026782"/>
+              <a:gd name="connsiteX11" fmla="*/ 676515 w 5186106"/>
+              <a:gd name="connsiteY11" fmla="*/ 1646089 h 5026782"/>
+              <a:gd name="connsiteX12" fmla="*/ 795785 w 5186106"/>
+              <a:gd name="connsiteY12" fmla="*/ 835056 h 5026782"/>
+              <a:gd name="connsiteX13" fmla="*/ 1901016 w 5186106"/>
+              <a:gd name="connsiteY13" fmla="*/ 644225 h 5026782"/>
+              <a:gd name="connsiteX14" fmla="*/ 2759757 w 5186106"/>
+              <a:gd name="connsiteY14" fmla="*/ 169 h 5026782"/>
+              <a:gd name="connsiteX15" fmla="*/ 3531033 w 5186106"/>
+              <a:gd name="connsiteY15" fmla="*/ 596517 h 5026782"/>
+              <a:gd name="connsiteX16" fmla="*/ 4326164 w 5186106"/>
+              <a:gd name="connsiteY16" fmla="*/ 699884 h 5026782"/>
+              <a:gd name="connsiteX17" fmla="*/ 4614307 w 5186106"/>
+              <a:gd name="connsiteY17" fmla="*/ 1256857 h 5026782"/>
+              <a:gd name="connsiteX18" fmla="*/ 4632003 w 5186106"/>
+              <a:gd name="connsiteY18" fmla="*/ 1587538 h 5026782"/>
+              <a:gd name="connsiteX0" fmla="*/ 4416058 w 5186106"/>
+              <a:gd name="connsiteY0" fmla="*/ 1452554 h 5026782"/>
+              <a:gd name="connsiteX1" fmla="*/ 4676524 w 5186106"/>
+              <a:gd name="connsiteY1" fmla="*/ 1866457 h 5026782"/>
+              <a:gd name="connsiteX2" fmla="*/ 5186103 w 5186106"/>
+              <a:gd name="connsiteY2" fmla="*/ 2212362 h 5026782"/>
+              <a:gd name="connsiteX3" fmla="*/ 4668070 w 5186106"/>
+              <a:gd name="connsiteY3" fmla="*/ 3188642 h 5026782"/>
+              <a:gd name="connsiteX4" fmla="*/ 4787339 w 5186106"/>
+              <a:gd name="connsiteY4" fmla="*/ 4071237 h 5026782"/>
+              <a:gd name="connsiteX5" fmla="*/ 3737767 w 5186106"/>
+              <a:gd name="connsiteY5" fmla="*/ 4381338 h 5026782"/>
+              <a:gd name="connsiteX6" fmla="*/ 3069858 w 5186106"/>
+              <a:gd name="connsiteY6" fmla="*/ 5025393 h 5026782"/>
+              <a:gd name="connsiteX7" fmla="*/ 2036188 w 5186106"/>
+              <a:gd name="connsiteY7" fmla="*/ 4556266 h 5026782"/>
+              <a:gd name="connsiteX8" fmla="*/ 1089983 w 5186106"/>
+              <a:gd name="connsiteY8" fmla="*/ 4667585 h 5026782"/>
+              <a:gd name="connsiteX9" fmla="*/ 811687 w 5186106"/>
+              <a:gd name="connsiteY9" fmla="*/ 3427181 h 5026782"/>
+              <a:gd name="connsiteX10" fmla="*/ 654 w 5186106"/>
+              <a:gd name="connsiteY10" fmla="*/ 2663856 h 5026782"/>
+              <a:gd name="connsiteX11" fmla="*/ 676515 w 5186106"/>
+              <a:gd name="connsiteY11" fmla="*/ 1646089 h 5026782"/>
+              <a:gd name="connsiteX12" fmla="*/ 795785 w 5186106"/>
+              <a:gd name="connsiteY12" fmla="*/ 835056 h 5026782"/>
+              <a:gd name="connsiteX13" fmla="*/ 1901016 w 5186106"/>
+              <a:gd name="connsiteY13" fmla="*/ 644225 h 5026782"/>
+              <a:gd name="connsiteX14" fmla="*/ 2759757 w 5186106"/>
+              <a:gd name="connsiteY14" fmla="*/ 169 h 5026782"/>
+              <a:gd name="connsiteX15" fmla="*/ 3531033 w 5186106"/>
+              <a:gd name="connsiteY15" fmla="*/ 596517 h 5026782"/>
+              <a:gd name="connsiteX16" fmla="*/ 4326164 w 5186106"/>
+              <a:gd name="connsiteY16" fmla="*/ 699884 h 5026782"/>
+              <a:gd name="connsiteX17" fmla="*/ 4614307 w 5186106"/>
+              <a:gd name="connsiteY17" fmla="*/ 1256857 h 5026782"/>
+              <a:gd name="connsiteX18" fmla="*/ 4632003 w 5186106"/>
+              <a:gd name="connsiteY18" fmla="*/ 1587538 h 5026782"/>
             </a:gdLst>
             <a:ahLst/>
             <a:cxnLst>
@@ -3248,35 +3642,36 @@
               <a:cxn ang="0">
                 <a:pos x="connsiteX16" y="connsiteY16"/>
               </a:cxn>
+              <a:cxn ang="0">
+                <a:pos x="connsiteX17" y="connsiteY17"/>
+              </a:cxn>
+              <a:cxn ang="0">
+                <a:pos x="connsiteX18" y="connsiteY18"/>
+              </a:cxn>
             </a:cxnLst>
             <a:rect l="l" t="t" r="r" b="b"/>
             <a:pathLst>
-              <a:path w="5185774" h="5026782">
+              <a:path w="5186106" h="5026782">
                 <a:moveTo>
-                  <a:pt x="3531033" y="596517"/>
+                  <a:pt x="4416058" y="1452554"/>
                 </a:moveTo>
                 <a:cubicBezTo>
-                  <a:pt x="3792101" y="713136"/>
-                  <a:pt x="4160512" y="530256"/>
-                  <a:pt x="4326164" y="699884"/>
+                  <a:pt x="4418157" y="1588926"/>
+                  <a:pt x="4545940" y="1742933"/>
+                  <a:pt x="4676524" y="1866457"/>
                 </a:cubicBezTo>
                 <a:cubicBezTo>
-                  <a:pt x="4491816" y="869512"/>
-                  <a:pt x="4381823" y="1361168"/>
-                  <a:pt x="4524946" y="1614284"/>
+                  <a:pt x="4807108" y="1989982"/>
+                  <a:pt x="5187512" y="1991998"/>
+                  <a:pt x="5186103" y="2212362"/>
                 </a:cubicBezTo>
                 <a:cubicBezTo>
-                  <a:pt x="4668070" y="1867401"/>
-                  <a:pt x="5161051" y="1956190"/>
-                  <a:pt x="5184905" y="2218583"/>
-                </a:cubicBezTo>
-                <a:cubicBezTo>
-                  <a:pt x="5208759" y="2480976"/>
-                  <a:pt x="4734331" y="2879866"/>
+                  <a:pt x="5184694" y="2432726"/>
+                  <a:pt x="4734531" y="2878830"/>
                   <a:pt x="4668070" y="3188642"/>
                 </a:cubicBezTo>
                 <a:cubicBezTo>
-                  <a:pt x="4601809" y="3497418"/>
+                  <a:pt x="4601609" y="3498454"/>
                   <a:pt x="4942390" y="3872454"/>
                   <a:pt x="4787339" y="4071237"/>
                 </a:cubicBezTo>
@@ -3335,7 +3730,21 @@
                   <a:pt x="3269965" y="479898"/>
                   <a:pt x="3531033" y="596517"/>
                 </a:cubicBezTo>
-                <a:close/>
+                <a:cubicBezTo>
+                  <a:pt x="3792101" y="713136"/>
+                  <a:pt x="4145618" y="589827"/>
+                  <a:pt x="4326164" y="699884"/>
+                </a:cubicBezTo>
+                <a:cubicBezTo>
+                  <a:pt x="4506710" y="809941"/>
+                  <a:pt x="4567833" y="1088180"/>
+                  <a:pt x="4614307" y="1256857"/>
+                </a:cubicBezTo>
+                <a:cubicBezTo>
+                  <a:pt x="4660781" y="1425534"/>
+                  <a:pt x="4617998" y="1557306"/>
+                  <a:pt x="4632003" y="1587538"/>
+                </a:cubicBezTo>
               </a:path>
             </a:pathLst>
           </a:custGeom>
